--- a/Presentazione.pptx
+++ b/Presentazione.pptx
@@ -2046,6 +2046,53 @@
           </a:fontRef>
         </p:style>
       </p:cxnSp>
+      <p:pic>
+        <p:nvPicPr>
+          <p:cNvPr id="11266" name="Picture 2" descr="Informatica">
+            <a:extLst>
+              <a:ext uri="{FF2B5EF4-FFF2-40B4-BE49-F238E27FC236}">
+                <a16:creationId xmlns:a16="http://schemas.microsoft.com/office/drawing/2014/main" id="{B7289829-7423-5381-DEAF-AE091F154460}"/>
+              </a:ext>
+            </a:extLst>
+          </p:cNvPr>
+          <p:cNvPicPr>
+            <a:picLocks noChangeAspect="1" noChangeArrowheads="1"/>
+          </p:cNvPicPr>
+          <p:nvPr/>
+        </p:nvPicPr>
+        <p:blipFill>
+          <a:blip r:embed="rId2">
+            <a:extLst>
+              <a:ext uri="{28A0092B-C50C-407E-A947-70E740481C1C}">
+                <a14:useLocalDpi xmlns:a14="http://schemas.microsoft.com/office/drawing/2010/main" val="0"/>
+              </a:ext>
+            </a:extLst>
+          </a:blip>
+          <a:srcRect/>
+          <a:stretch>
+            <a:fillRect/>
+          </a:stretch>
+        </p:blipFill>
+        <p:spPr bwMode="auto">
+          <a:xfrm>
+            <a:off x="349037" y="3562170"/>
+            <a:ext cx="1916818" cy="1521669"/>
+          </a:xfrm>
+          <a:prstGeom prst="rect">
+            <a:avLst/>
+          </a:prstGeom>
+          <a:noFill/>
+          <a:extLst>
+            <a:ext uri="{909E8E84-426E-40DD-AFC4-6F175D3DCCD1}">
+              <a14:hiddenFill xmlns:a14="http://schemas.microsoft.com/office/drawing/2010/main">
+                <a:solidFill>
+                  <a:srgbClr val="FFFFFF"/>
+                </a:solidFill>
+              </a14:hiddenFill>
+            </a:ext>
+          </a:extLst>
+        </p:spPr>
+      </p:pic>
     </p:spTree>
     <p:extLst>
       <p:ext uri="{BB962C8B-B14F-4D97-AF65-F5344CB8AC3E}">

--- a/Presentazione.pptx
+++ b/Presentazione.pptx
@@ -1890,7 +1890,7 @@
             <a:pPr algn="ctr"/>
             <a:r>
               <a:rPr lang="en-US" sz="2400" b="1" dirty="0"/>
-              <a:t>Gionata Legrottaglie (1102654)</a:t>
+              <a:t>Gionata Legrottaglie - 1102654</a:t>
             </a:r>
           </a:p>
         </p:txBody>
@@ -1913,8 +1913,8 @@
         </p:nvSpPr>
         <p:spPr>
           <a:xfrm>
-            <a:off x="2946173" y="3833870"/>
-            <a:ext cx="3062808" cy="245066"/>
+            <a:off x="2435184" y="3923190"/>
+            <a:ext cx="3062808" cy="774365"/>
           </a:xfrm>
         </p:spPr>
         <p:txBody>
@@ -1923,7 +1923,18 @@
           <a:p>
             <a:r>
               <a:rPr lang="en-US" sz="1800" dirty="0"/>
-              <a:t>Esame di Laurea 13/12/2023</a:t>
+              <a:t>Esame di Laurea </a:t>
+            </a:r>
+          </a:p>
+          <a:p>
+            <a:pPr>
+              <a:spcBef>
+                <a:spcPts val="500"/>
+              </a:spcBef>
+            </a:pPr>
+            <a:r>
+              <a:rPr lang="en-US" sz="1800" dirty="0"/>
+              <a:t>13/12/2023</a:t>
             </a:r>
           </a:p>
         </p:txBody>
@@ -2075,8 +2086,8 @@
         </p:blipFill>
         <p:spPr bwMode="auto">
           <a:xfrm>
-            <a:off x="349037" y="3562170"/>
-            <a:ext cx="1916818" cy="1521669"/>
+            <a:off x="685800" y="3011497"/>
+            <a:ext cx="1459030" cy="1158254"/>
           </a:xfrm>
           <a:prstGeom prst="rect">
             <a:avLst/>

--- a/Presentazione.pptx
+++ b/Presentazione.pptx
@@ -209,7 +209,7 @@
           <a:p>
             <a:fld id="{0E4AAC6D-2322-45B9-8ECA-34DF280B0776}" type="datetimeFigureOut">
               <a:rPr lang="en-US" smtClean="0"/>
-              <a:t>12/3/23</a:t>
+              <a:t>12/7/23</a:t>
             </a:fld>
             <a:endParaRPr lang="en-US"/>
           </a:p>
@@ -474,6 +474,1551 @@
     </a:lvl9pPr>
   </p:notesStyle>
 </p:notesMaster>
+</file>
+
+<file path=ppt/notesSlides/notesSlide1.xml><?xml version="1.0" encoding="utf-8"?>
+<p:notes xmlns:a="http://schemas.openxmlformats.org/drawingml/2006/main" xmlns:r="http://schemas.openxmlformats.org/officeDocument/2006/relationships" xmlns:p="http://schemas.openxmlformats.org/presentationml/2006/main">
+  <p:cSld>
+    <p:spTree>
+      <p:nvGrpSpPr>
+        <p:cNvPr id="1" name=""/>
+        <p:cNvGrpSpPr/>
+        <p:nvPr/>
+      </p:nvGrpSpPr>
+      <p:grpSpPr>
+        <a:xfrm>
+          <a:off x="0" y="0"/>
+          <a:ext cx="0" cy="0"/>
+          <a:chOff x="0" y="0"/>
+          <a:chExt cx="0" cy="0"/>
+        </a:xfrm>
+      </p:grpSpPr>
+      <p:sp>
+        <p:nvSpPr>
+          <p:cNvPr id="2" name="Segnaposto immagine diapositiva 1"/>
+          <p:cNvSpPr>
+            <a:spLocks noGrp="1" noRot="1" noChangeAspect="1"/>
+          </p:cNvSpPr>
+          <p:nvPr>
+            <p:ph type="sldImg"/>
+          </p:nvPr>
+        </p:nvSpPr>
+        <p:spPr/>
+      </p:sp>
+      <p:sp>
+        <p:nvSpPr>
+          <p:cNvPr id="3" name="Segnaposto note 2"/>
+          <p:cNvSpPr>
+            <a:spLocks noGrp="1"/>
+          </p:cNvSpPr>
+          <p:nvPr>
+            <p:ph type="body" idx="1"/>
+          </p:nvPr>
+        </p:nvSpPr>
+        <p:spPr/>
+        <p:txBody>
+          <a:bodyPr/>
+          <a:lstStyle/>
+          <a:p>
+            <a:r>
+              <a:rPr lang="it-IT" dirty="0"/>
+              <a:t>Buongiorno, oggi discuterò la mia tesi dal titolo: Rilevazione di vulnerabilità software in librerie di terze parti,</a:t>
+            </a:r>
+          </a:p>
+          <a:p>
+            <a:r>
+              <a:rPr lang="it-IT" dirty="0"/>
+              <a:t>risultato dello stage fatto presso l'azienda Sanmarco Informatica.</a:t>
+            </a:r>
+          </a:p>
+          <a:p>
+            <a:endParaRPr lang="it-IT" dirty="0"/>
+          </a:p>
+        </p:txBody>
+      </p:sp>
+      <p:sp>
+        <p:nvSpPr>
+          <p:cNvPr id="4" name="Segnaposto numero diapositiva 3"/>
+          <p:cNvSpPr>
+            <a:spLocks noGrp="1"/>
+          </p:cNvSpPr>
+          <p:nvPr>
+            <p:ph type="sldNum" sz="quarter" idx="5"/>
+          </p:nvPr>
+        </p:nvSpPr>
+        <p:spPr/>
+        <p:txBody>
+          <a:bodyPr/>
+          <a:lstStyle/>
+          <a:p>
+            <a:fld id="{F1800421-D3CF-4966-BB36-F8A585C6E943}" type="slidenum">
+              <a:rPr lang="en-US" smtClean="0"/>
+              <a:t>1</a:t>
+            </a:fld>
+            <a:endParaRPr lang="en-US"/>
+          </a:p>
+        </p:txBody>
+      </p:sp>
+    </p:spTree>
+    <p:extLst>
+      <p:ext uri="{BB962C8B-B14F-4D97-AF65-F5344CB8AC3E}">
+        <p14:creationId xmlns:p14="http://schemas.microsoft.com/office/powerpoint/2010/main" val="704656854"/>
+      </p:ext>
+    </p:extLst>
+  </p:cSld>
+  <p:clrMapOvr>
+    <a:masterClrMapping/>
+  </p:clrMapOvr>
+</p:notes>
+</file>
+
+<file path=ppt/notesSlides/notesSlide10.xml><?xml version="1.0" encoding="utf-8"?>
+<p:notes xmlns:a="http://schemas.openxmlformats.org/drawingml/2006/main" xmlns:r="http://schemas.openxmlformats.org/officeDocument/2006/relationships" xmlns:p="http://schemas.openxmlformats.org/presentationml/2006/main">
+  <p:cSld>
+    <p:spTree>
+      <p:nvGrpSpPr>
+        <p:cNvPr id="1" name=""/>
+        <p:cNvGrpSpPr/>
+        <p:nvPr/>
+      </p:nvGrpSpPr>
+      <p:grpSpPr>
+        <a:xfrm>
+          <a:off x="0" y="0"/>
+          <a:ext cx="0" cy="0"/>
+          <a:chOff x="0" y="0"/>
+          <a:chExt cx="0" cy="0"/>
+        </a:xfrm>
+      </p:grpSpPr>
+      <p:sp>
+        <p:nvSpPr>
+          <p:cNvPr id="2" name="Segnaposto immagine diapositiva 1"/>
+          <p:cNvSpPr>
+            <a:spLocks noGrp="1" noRot="1" noChangeAspect="1"/>
+          </p:cNvSpPr>
+          <p:nvPr>
+            <p:ph type="sldImg"/>
+          </p:nvPr>
+        </p:nvSpPr>
+        <p:spPr/>
+      </p:sp>
+      <p:sp>
+        <p:nvSpPr>
+          <p:cNvPr id="3" name="Segnaposto note 2"/>
+          <p:cNvSpPr>
+            <a:spLocks noGrp="1"/>
+          </p:cNvSpPr>
+          <p:nvPr>
+            <p:ph type="body" idx="1"/>
+          </p:nvPr>
+        </p:nvSpPr>
+        <p:spPr/>
+        <p:txBody>
+          <a:bodyPr/>
+          <a:lstStyle/>
+          <a:p>
+            <a:r>
+              <a:rPr lang="it-IT" dirty="0"/>
+              <a:t>Dopo il completamento dell'interfaccia grafica, ho provveduto ad implementare le richieste facoltative.</a:t>
+            </a:r>
+          </a:p>
+          <a:p>
+            <a:r>
+              <a:rPr lang="it-IT" dirty="0"/>
+              <a:t>Per prima cosa ho aggiunto la possibilità di effettuare il login sulla piattaforma tramite LDAP,</a:t>
+            </a:r>
+          </a:p>
+          <a:p>
+            <a:r>
+              <a:rPr lang="it-IT" dirty="0"/>
+              <a:t>questo permetterà all'azienda di integrare il sistema con il sistema di autenticazione già esistente e ci ha </a:t>
+            </a:r>
+          </a:p>
+          <a:p>
+            <a:r>
+              <a:rPr lang="it-IT" dirty="0"/>
+              <a:t>risparmiato di dover implementare un sistema di autenticazione da zero.</a:t>
+            </a:r>
+          </a:p>
+          <a:p>
+            <a:r>
+              <a:rPr lang="it-IT" dirty="0"/>
+              <a:t>In secondo luogo ho aggiunto la possibilità di verificare se ci sono nuovi aggiornamenti o nuove vulnerabilità per le librerie utilizzate.</a:t>
+            </a:r>
+          </a:p>
+          <a:p>
+            <a:r>
+              <a:rPr lang="it-IT" dirty="0"/>
+              <a:t>Per entrambe le richieste ho utilizzato il servizio esterno REST "sonatype" che dati i riferimenti di una libreria,</a:t>
+            </a:r>
+          </a:p>
+          <a:p>
+            <a:r>
+              <a:rPr lang="it-IT" dirty="0"/>
+              <a:t>ti restituisce tutte le informazioni sulle vulnerabilità e gli aggiornamenti disponibili. </a:t>
+            </a:r>
+          </a:p>
+        </p:txBody>
+      </p:sp>
+      <p:sp>
+        <p:nvSpPr>
+          <p:cNvPr id="4" name="Segnaposto numero diapositiva 3"/>
+          <p:cNvSpPr>
+            <a:spLocks noGrp="1"/>
+          </p:cNvSpPr>
+          <p:nvPr>
+            <p:ph type="sldNum" sz="quarter" idx="5"/>
+          </p:nvPr>
+        </p:nvSpPr>
+        <p:spPr/>
+        <p:txBody>
+          <a:bodyPr/>
+          <a:lstStyle/>
+          <a:p>
+            <a:fld id="{F1800421-D3CF-4966-BB36-F8A585C6E943}" type="slidenum">
+              <a:rPr lang="en-US" smtClean="0"/>
+              <a:t>11</a:t>
+            </a:fld>
+            <a:endParaRPr lang="en-US"/>
+          </a:p>
+        </p:txBody>
+      </p:sp>
+    </p:spTree>
+    <p:extLst>
+      <p:ext uri="{BB962C8B-B14F-4D97-AF65-F5344CB8AC3E}">
+        <p14:creationId xmlns:p14="http://schemas.microsoft.com/office/powerpoint/2010/main" val="1352101816"/>
+      </p:ext>
+    </p:extLst>
+  </p:cSld>
+  <p:clrMapOvr>
+    <a:masterClrMapping/>
+  </p:clrMapOvr>
+</p:notes>
+</file>
+
+<file path=ppt/notesSlides/notesSlide11.xml><?xml version="1.0" encoding="utf-8"?>
+<p:notes xmlns:a="http://schemas.openxmlformats.org/drawingml/2006/main" xmlns:r="http://schemas.openxmlformats.org/officeDocument/2006/relationships" xmlns:p="http://schemas.openxmlformats.org/presentationml/2006/main">
+  <p:cSld>
+    <p:spTree>
+      <p:nvGrpSpPr>
+        <p:cNvPr id="1" name=""/>
+        <p:cNvGrpSpPr/>
+        <p:nvPr/>
+      </p:nvGrpSpPr>
+      <p:grpSpPr>
+        <a:xfrm>
+          <a:off x="0" y="0"/>
+          <a:ext cx="0" cy="0"/>
+          <a:chOff x="0" y="0"/>
+          <a:chExt cx="0" cy="0"/>
+        </a:xfrm>
+      </p:grpSpPr>
+      <p:sp>
+        <p:nvSpPr>
+          <p:cNvPr id="2" name="Segnaposto immagine diapositiva 1"/>
+          <p:cNvSpPr>
+            <a:spLocks noGrp="1" noRot="1" noChangeAspect="1"/>
+          </p:cNvSpPr>
+          <p:nvPr>
+            <p:ph type="sldImg"/>
+          </p:nvPr>
+        </p:nvSpPr>
+        <p:spPr/>
+      </p:sp>
+      <p:sp>
+        <p:nvSpPr>
+          <p:cNvPr id="3" name="Segnaposto note 2"/>
+          <p:cNvSpPr>
+            <a:spLocks noGrp="1"/>
+          </p:cNvSpPr>
+          <p:nvPr>
+            <p:ph type="body" idx="1"/>
+          </p:nvPr>
+        </p:nvSpPr>
+        <p:spPr/>
+        <p:txBody>
+          <a:bodyPr/>
+          <a:lstStyle/>
+          <a:p>
+            <a:r>
+              <a:rPr lang="it-IT" dirty="0"/>
+              <a:t>Lo stage è durato 320 ore e l'ho svolto completamente in modalità smart working.</a:t>
+            </a:r>
+          </a:p>
+          <a:p>
+            <a:r>
+              <a:rPr lang="it-IT" dirty="0"/>
+              <a:t>La ripartizione delle attività ha seguito quasi completamente il piano di lavoro redatto dal tutor aziendale,</a:t>
+            </a:r>
+          </a:p>
+          <a:p>
+            <a:r>
+              <a:rPr lang="it-IT" dirty="0"/>
+              <a:t>ad eccezione della quinta e sesta settimana, dove ho completato in anticipo le attività previste</a:t>
+            </a:r>
+          </a:p>
+          <a:p>
+            <a:r>
+              <a:rPr lang="it-IT" dirty="0"/>
+              <a:t>e ne ho approfittato per approfondire e testare alcune novità introdotte nelle ultime versioni di Angular.</a:t>
+            </a:r>
+          </a:p>
+          <a:p>
+            <a:r>
+              <a:rPr lang="it-IT" dirty="0"/>
+              <a:t>Ogni settimana ho inviato al tutor interno un report con le attività svolte e i risultati ottenuti, </a:t>
+            </a:r>
+          </a:p>
+          <a:p>
+            <a:r>
+              <a:rPr lang="it-IT" dirty="0"/>
+              <a:t>e devo riconosce che questo mi ha aiutato molto a mantenere un ritmo di lavoro costante e a non perdere di vista gli obiettivi.</a:t>
+            </a:r>
+          </a:p>
+          <a:p>
+            <a:endParaRPr lang="it-IT" dirty="0"/>
+          </a:p>
+        </p:txBody>
+      </p:sp>
+      <p:sp>
+        <p:nvSpPr>
+          <p:cNvPr id="4" name="Segnaposto numero diapositiva 3"/>
+          <p:cNvSpPr>
+            <a:spLocks noGrp="1"/>
+          </p:cNvSpPr>
+          <p:nvPr>
+            <p:ph type="sldNum" sz="quarter" idx="5"/>
+          </p:nvPr>
+        </p:nvSpPr>
+        <p:spPr/>
+        <p:txBody>
+          <a:bodyPr/>
+          <a:lstStyle/>
+          <a:p>
+            <a:fld id="{F1800421-D3CF-4966-BB36-F8A585C6E943}" type="slidenum">
+              <a:rPr lang="en-US" smtClean="0"/>
+              <a:t>12</a:t>
+            </a:fld>
+            <a:endParaRPr lang="en-US"/>
+          </a:p>
+        </p:txBody>
+      </p:sp>
+    </p:spTree>
+    <p:extLst>
+      <p:ext uri="{BB962C8B-B14F-4D97-AF65-F5344CB8AC3E}">
+        <p14:creationId xmlns:p14="http://schemas.microsoft.com/office/powerpoint/2010/main" val="2660723020"/>
+      </p:ext>
+    </p:extLst>
+  </p:cSld>
+  <p:clrMapOvr>
+    <a:masterClrMapping/>
+  </p:clrMapOvr>
+</p:notes>
+</file>
+
+<file path=ppt/notesSlides/notesSlide12.xml><?xml version="1.0" encoding="utf-8"?>
+<p:notes xmlns:a="http://schemas.openxmlformats.org/drawingml/2006/main" xmlns:r="http://schemas.openxmlformats.org/officeDocument/2006/relationships" xmlns:p="http://schemas.openxmlformats.org/presentationml/2006/main">
+  <p:cSld>
+    <p:spTree>
+      <p:nvGrpSpPr>
+        <p:cNvPr id="1" name=""/>
+        <p:cNvGrpSpPr/>
+        <p:nvPr/>
+      </p:nvGrpSpPr>
+      <p:grpSpPr>
+        <a:xfrm>
+          <a:off x="0" y="0"/>
+          <a:ext cx="0" cy="0"/>
+          <a:chOff x="0" y="0"/>
+          <a:chExt cx="0" cy="0"/>
+        </a:xfrm>
+      </p:grpSpPr>
+      <p:sp>
+        <p:nvSpPr>
+          <p:cNvPr id="2" name="Segnaposto immagine diapositiva 1"/>
+          <p:cNvSpPr>
+            <a:spLocks noGrp="1" noRot="1" noChangeAspect="1"/>
+          </p:cNvSpPr>
+          <p:nvPr>
+            <p:ph type="sldImg"/>
+          </p:nvPr>
+        </p:nvSpPr>
+        <p:spPr/>
+      </p:sp>
+      <p:sp>
+        <p:nvSpPr>
+          <p:cNvPr id="3" name="Segnaposto note 2"/>
+          <p:cNvSpPr>
+            <a:spLocks noGrp="1"/>
+          </p:cNvSpPr>
+          <p:nvPr>
+            <p:ph type="body" idx="1"/>
+          </p:nvPr>
+        </p:nvSpPr>
+        <p:spPr/>
+        <p:txBody>
+          <a:bodyPr/>
+          <a:lstStyle/>
+          <a:p>
+            <a:r>
+              <a:rPr lang="it-IT" dirty="0"/>
+              <a:t>In conclusione, il progetto è stato completato con successo e tutti gli obiettivi sono stati raggiunti.</a:t>
+            </a:r>
+          </a:p>
+          <a:p>
+            <a:r>
+              <a:rPr lang="it-IT" dirty="0"/>
+              <a:t>Il prototipo è stato presentato al tutor aziendale che ha espresso un giudizio molto positivo.</a:t>
+            </a:r>
+          </a:p>
+          <a:p>
+            <a:r>
+              <a:rPr lang="it-IT" dirty="0"/>
+              <a:t>Ora questo prototipo continuerà ad essere sviluppato da un team dedicato,</a:t>
+            </a:r>
+          </a:p>
+          <a:p>
+            <a:r>
+              <a:rPr lang="it-IT" dirty="0"/>
+              <a:t>per farlo diventare un software completo e pronto per essere utilizzato in tutti i progetti dell'azienda.</a:t>
+            </a:r>
+          </a:p>
+          <a:p>
+            <a:r>
+              <a:rPr lang="it-IT" dirty="0"/>
+              <a:t>Oltre ad aver raggiunto tutti gli obiettivi aziendali, ho raggiunto anche gli obiettivi personali che mi ero prefissato.</a:t>
+            </a:r>
+          </a:p>
+          <a:p>
+            <a:r>
+              <a:rPr lang="it-IT" dirty="0"/>
+              <a:t>Questa esperienza mi ha permesso di dedicare molto più tempo alla formazione di quanto io ne dedichi normalmente</a:t>
+            </a:r>
+          </a:p>
+          <a:p>
+            <a:r>
+              <a:rPr lang="it-IT" dirty="0"/>
+              <a:t>durante le ore di lavoro.</a:t>
+            </a:r>
+          </a:p>
+          <a:p>
+            <a:r>
+              <a:rPr lang="it-IT" dirty="0"/>
+              <a:t>Grazie per l'attenzione.</a:t>
+            </a:r>
+          </a:p>
+        </p:txBody>
+      </p:sp>
+      <p:sp>
+        <p:nvSpPr>
+          <p:cNvPr id="4" name="Segnaposto numero diapositiva 3"/>
+          <p:cNvSpPr>
+            <a:spLocks noGrp="1"/>
+          </p:cNvSpPr>
+          <p:nvPr>
+            <p:ph type="sldNum" sz="quarter" idx="5"/>
+          </p:nvPr>
+        </p:nvSpPr>
+        <p:spPr/>
+        <p:txBody>
+          <a:bodyPr/>
+          <a:lstStyle/>
+          <a:p>
+            <a:fld id="{F1800421-D3CF-4966-BB36-F8A585C6E943}" type="slidenum">
+              <a:rPr lang="en-US" smtClean="0"/>
+              <a:t>13</a:t>
+            </a:fld>
+            <a:endParaRPr lang="en-US"/>
+          </a:p>
+        </p:txBody>
+      </p:sp>
+    </p:spTree>
+    <p:extLst>
+      <p:ext uri="{BB962C8B-B14F-4D97-AF65-F5344CB8AC3E}">
+        <p14:creationId xmlns:p14="http://schemas.microsoft.com/office/powerpoint/2010/main" val="411814245"/>
+      </p:ext>
+    </p:extLst>
+  </p:cSld>
+  <p:clrMapOvr>
+    <a:masterClrMapping/>
+  </p:clrMapOvr>
+</p:notes>
+</file>
+
+<file path=ppt/notesSlides/notesSlide2.xml><?xml version="1.0" encoding="utf-8"?>
+<p:notes xmlns:a="http://schemas.openxmlformats.org/drawingml/2006/main" xmlns:r="http://schemas.openxmlformats.org/officeDocument/2006/relationships" xmlns:p="http://schemas.openxmlformats.org/presentationml/2006/main">
+  <p:cSld>
+    <p:spTree>
+      <p:nvGrpSpPr>
+        <p:cNvPr id="1" name=""/>
+        <p:cNvGrpSpPr/>
+        <p:nvPr/>
+      </p:nvGrpSpPr>
+      <p:grpSpPr>
+        <a:xfrm>
+          <a:off x="0" y="0"/>
+          <a:ext cx="0" cy="0"/>
+          <a:chOff x="0" y="0"/>
+          <a:chExt cx="0" cy="0"/>
+        </a:xfrm>
+      </p:grpSpPr>
+      <p:sp>
+        <p:nvSpPr>
+          <p:cNvPr id="2" name="Segnaposto immagine diapositiva 1"/>
+          <p:cNvSpPr>
+            <a:spLocks noGrp="1" noRot="1" noChangeAspect="1"/>
+          </p:cNvSpPr>
+          <p:nvPr>
+            <p:ph type="sldImg"/>
+          </p:nvPr>
+        </p:nvSpPr>
+        <p:spPr/>
+      </p:sp>
+      <p:sp>
+        <p:nvSpPr>
+          <p:cNvPr id="3" name="Segnaposto note 2"/>
+          <p:cNvSpPr>
+            <a:spLocks noGrp="1"/>
+          </p:cNvSpPr>
+          <p:nvPr>
+            <p:ph type="body" idx="1"/>
+          </p:nvPr>
+        </p:nvSpPr>
+        <p:spPr/>
+        <p:txBody>
+          <a:bodyPr/>
+          <a:lstStyle/>
+          <a:p>
+            <a:r>
+              <a:rPr lang="it-IT" dirty="0"/>
+              <a:t>Sanmarco Informatica è un’azienda italiana che si occupa di consulenza digitale e sviluppo software, specializzata nella progettazione </a:t>
+            </a:r>
+          </a:p>
+          <a:p>
+            <a:r>
+              <a:rPr lang="it-IT" dirty="0"/>
+              <a:t>di soluzioni integrate a supporto di tutti i processi aziendali.</a:t>
+            </a:r>
+          </a:p>
+          <a:p>
+            <a:r>
+              <a:rPr lang="it-IT" dirty="0"/>
+              <a:t>L'azienda è composta da più di 600 dipendenti distribuiti in varie sedi in Italia,</a:t>
+            </a:r>
+          </a:p>
+          <a:p>
+            <a:r>
+              <a:rPr lang="it-IT" dirty="0"/>
+              <a:t>tra questi ci sono più di 200 sviluppatori che lavorano su progetti di varia natura,</a:t>
+            </a:r>
+          </a:p>
+          <a:p>
+            <a:r>
+              <a:rPr lang="it-IT" dirty="0"/>
+              <a:t>come ad esempio progetti legati a sistemi di gestione della produzione, magazzino, vendite e molti altri.</a:t>
+            </a:r>
+          </a:p>
+          <a:p>
+            <a:r>
+              <a:rPr lang="it-IT" dirty="0"/>
+              <a:t>È formata da 11 Business Unit, ognuna delle quali si occupa di un particolare settore di mercato,</a:t>
+            </a:r>
+          </a:p>
+          <a:p>
+            <a:r>
+              <a:rPr lang="it-IT" dirty="0"/>
+              <a:t>io ho lavorato per la Business Unit chiamata JPA, che si occupa dello sviluppo di un software per la gestione e automazione di processi aziendali.</a:t>
+            </a:r>
+          </a:p>
+        </p:txBody>
+      </p:sp>
+      <p:sp>
+        <p:nvSpPr>
+          <p:cNvPr id="4" name="Segnaposto numero diapositiva 3"/>
+          <p:cNvSpPr>
+            <a:spLocks noGrp="1"/>
+          </p:cNvSpPr>
+          <p:nvPr>
+            <p:ph type="sldNum" sz="quarter" idx="5"/>
+          </p:nvPr>
+        </p:nvSpPr>
+        <p:spPr/>
+        <p:txBody>
+          <a:bodyPr/>
+          <a:lstStyle/>
+          <a:p>
+            <a:fld id="{F1800421-D3CF-4966-BB36-F8A585C6E943}" type="slidenum">
+              <a:rPr lang="en-US" smtClean="0"/>
+              <a:t>3</a:t>
+            </a:fld>
+            <a:endParaRPr lang="en-US"/>
+          </a:p>
+        </p:txBody>
+      </p:sp>
+    </p:spTree>
+    <p:extLst>
+      <p:ext uri="{BB962C8B-B14F-4D97-AF65-F5344CB8AC3E}">
+        <p14:creationId xmlns:p14="http://schemas.microsoft.com/office/powerpoint/2010/main" val="1129690513"/>
+      </p:ext>
+    </p:extLst>
+  </p:cSld>
+  <p:clrMapOvr>
+    <a:masterClrMapping/>
+  </p:clrMapOvr>
+</p:notes>
+</file>
+
+<file path=ppt/notesSlides/notesSlide3.xml><?xml version="1.0" encoding="utf-8"?>
+<p:notes xmlns:a="http://schemas.openxmlformats.org/drawingml/2006/main" xmlns:r="http://schemas.openxmlformats.org/officeDocument/2006/relationships" xmlns:p="http://schemas.openxmlformats.org/presentationml/2006/main">
+  <p:cSld>
+    <p:spTree>
+      <p:nvGrpSpPr>
+        <p:cNvPr id="1" name=""/>
+        <p:cNvGrpSpPr/>
+        <p:nvPr/>
+      </p:nvGrpSpPr>
+      <p:grpSpPr>
+        <a:xfrm>
+          <a:off x="0" y="0"/>
+          <a:ext cx="0" cy="0"/>
+          <a:chOff x="0" y="0"/>
+          <a:chExt cx="0" cy="0"/>
+        </a:xfrm>
+      </p:grpSpPr>
+      <p:sp>
+        <p:nvSpPr>
+          <p:cNvPr id="2" name="Segnaposto immagine diapositiva 1"/>
+          <p:cNvSpPr>
+            <a:spLocks noGrp="1" noRot="1" noChangeAspect="1"/>
+          </p:cNvSpPr>
+          <p:nvPr>
+            <p:ph type="sldImg"/>
+          </p:nvPr>
+        </p:nvSpPr>
+        <p:spPr/>
+      </p:sp>
+      <p:sp>
+        <p:nvSpPr>
+          <p:cNvPr id="3" name="Segnaposto note 2"/>
+          <p:cNvSpPr>
+            <a:spLocks noGrp="1"/>
+          </p:cNvSpPr>
+          <p:nvPr>
+            <p:ph type="body" idx="1"/>
+          </p:nvPr>
+        </p:nvSpPr>
+        <p:spPr/>
+        <p:txBody>
+          <a:bodyPr/>
+          <a:lstStyle/>
+          <a:p>
+            <a:r>
+              <a:rPr lang="it-IT" dirty="0"/>
+              <a:t>In questo momento Sanmarco Informatica si trova in un periodo di forse espansione, di crescita e di cambiamento.</a:t>
+            </a:r>
+          </a:p>
+          <a:p>
+            <a:r>
+              <a:rPr lang="it-IT" dirty="0"/>
+              <a:t>Ci sono molti nuovi progetti in corso e tanti in software precedentemente sviluppati che necessitano di essere </a:t>
+            </a:r>
+            <a:r>
+              <a:rPr lang="it-IT" dirty="0" err="1"/>
+              <a:t>modularizzati</a:t>
+            </a:r>
+            <a:r>
+              <a:rPr lang="it-IT" dirty="0"/>
+              <a:t> e aggiornati.</a:t>
+            </a:r>
+          </a:p>
+          <a:p>
+            <a:r>
+              <a:rPr lang="it-IT" dirty="0"/>
+              <a:t>Nella visione dell'azienda, garantire la sicurezza e la qualità del software è un aspetto fondamentale per poter crescere e competere nel mercato.</a:t>
+            </a:r>
+          </a:p>
+          <a:p>
+            <a:r>
+              <a:rPr lang="it-IT" dirty="0"/>
+              <a:t>Per questo motivo ha deciso di investire in un progetto di ricerca e sviluppo che ha come obiettivo quello di creare un sistema </a:t>
+            </a:r>
+          </a:p>
+          <a:p>
+            <a:r>
+              <a:rPr lang="it-IT" dirty="0"/>
+              <a:t>di rilevazione di vulnerabilità software da collegare ai propri progetti.</a:t>
+            </a:r>
+          </a:p>
+          <a:p>
+            <a:r>
+              <a:rPr lang="it-IT" dirty="0"/>
+              <a:t>Il mio progetto di stage aveva lo scopo di creare un prototipo per poter validare l'idea di Business per poi continuare lo sviluppo del progetto</a:t>
+            </a:r>
+          </a:p>
+          <a:p>
+            <a:r>
+              <a:rPr lang="it-IT" dirty="0"/>
+              <a:t>assegnandolo ad un team dedicato. </a:t>
+            </a:r>
+          </a:p>
+        </p:txBody>
+      </p:sp>
+      <p:sp>
+        <p:nvSpPr>
+          <p:cNvPr id="4" name="Segnaposto numero diapositiva 3"/>
+          <p:cNvSpPr>
+            <a:spLocks noGrp="1"/>
+          </p:cNvSpPr>
+          <p:nvPr>
+            <p:ph type="sldNum" sz="quarter" idx="5"/>
+          </p:nvPr>
+        </p:nvSpPr>
+        <p:spPr/>
+        <p:txBody>
+          <a:bodyPr/>
+          <a:lstStyle/>
+          <a:p>
+            <a:fld id="{F1800421-D3CF-4966-BB36-F8A585C6E943}" type="slidenum">
+              <a:rPr lang="en-US" smtClean="0"/>
+              <a:t>4</a:t>
+            </a:fld>
+            <a:endParaRPr lang="en-US"/>
+          </a:p>
+        </p:txBody>
+      </p:sp>
+    </p:spTree>
+    <p:extLst>
+      <p:ext uri="{BB962C8B-B14F-4D97-AF65-F5344CB8AC3E}">
+        <p14:creationId xmlns:p14="http://schemas.microsoft.com/office/powerpoint/2010/main" val="928394760"/>
+      </p:ext>
+    </p:extLst>
+  </p:cSld>
+  <p:clrMapOvr>
+    <a:masterClrMapping/>
+  </p:clrMapOvr>
+</p:notes>
+</file>
+
+<file path=ppt/notesSlides/notesSlide4.xml><?xml version="1.0" encoding="utf-8"?>
+<p:notes xmlns:a="http://schemas.openxmlformats.org/drawingml/2006/main" xmlns:r="http://schemas.openxmlformats.org/officeDocument/2006/relationships" xmlns:p="http://schemas.openxmlformats.org/presentationml/2006/main">
+  <p:cSld>
+    <p:spTree>
+      <p:nvGrpSpPr>
+        <p:cNvPr id="1" name=""/>
+        <p:cNvGrpSpPr/>
+        <p:nvPr/>
+      </p:nvGrpSpPr>
+      <p:grpSpPr>
+        <a:xfrm>
+          <a:off x="0" y="0"/>
+          <a:ext cx="0" cy="0"/>
+          <a:chOff x="0" y="0"/>
+          <a:chExt cx="0" cy="0"/>
+        </a:xfrm>
+      </p:grpSpPr>
+      <p:sp>
+        <p:nvSpPr>
+          <p:cNvPr id="2" name="Segnaposto immagine diapositiva 1"/>
+          <p:cNvSpPr>
+            <a:spLocks noGrp="1" noRot="1" noChangeAspect="1"/>
+          </p:cNvSpPr>
+          <p:nvPr>
+            <p:ph type="sldImg"/>
+          </p:nvPr>
+        </p:nvSpPr>
+        <p:spPr/>
+      </p:sp>
+      <p:sp>
+        <p:nvSpPr>
+          <p:cNvPr id="3" name="Segnaposto note 2"/>
+          <p:cNvSpPr>
+            <a:spLocks noGrp="1"/>
+          </p:cNvSpPr>
+          <p:nvPr>
+            <p:ph type="body" idx="1"/>
+          </p:nvPr>
+        </p:nvSpPr>
+        <p:spPr/>
+        <p:txBody>
+          <a:bodyPr/>
+          <a:lstStyle/>
+          <a:p>
+            <a:r>
+              <a:rPr lang="it-IT" dirty="0"/>
+              <a:t>In questo progetto, a supporto di ogni attività c’era un strumento dedicato.</a:t>
+            </a:r>
+          </a:p>
+          <a:p>
+            <a:r>
+              <a:rPr lang="it-IT" dirty="0"/>
+              <a:t>In primo luogo Confluence e Jira mi hanno aiutato nelle attività di analisi e organizzazione del lavoro, dandomi la possibilità di creare delle dashboard per permetter al tutor aziendale di monitorare i miei progressi.</a:t>
+            </a:r>
+          </a:p>
+          <a:p>
+            <a:r>
+              <a:rPr lang="it-IT" dirty="0"/>
+              <a:t>In secondo luogo, Intellij e Webstorm sono stati gli strumenti principali per lo sviluppo di tutti i componenti software e per l'</a:t>
+            </a:r>
+            <a:r>
+              <a:rPr lang="it-IT" dirty="0" err="1"/>
+              <a:t>integazione</a:t>
+            </a:r>
+            <a:r>
+              <a:rPr lang="it-IT" dirty="0"/>
+              <a:t> con </a:t>
+            </a:r>
+            <a:r>
+              <a:rPr lang="it-IT" dirty="0" err="1"/>
+              <a:t>Git</a:t>
+            </a:r>
+            <a:r>
+              <a:rPr lang="it-IT" dirty="0"/>
+              <a:t> e </a:t>
+            </a:r>
+            <a:r>
+              <a:rPr lang="it-IT" dirty="0" err="1"/>
+              <a:t>BitBucket</a:t>
+            </a:r>
+            <a:r>
+              <a:rPr lang="it-IT" dirty="0"/>
+              <a:t>, per il versionamento del codice sorgente.</a:t>
+            </a:r>
+          </a:p>
+          <a:p>
+            <a:r>
+              <a:rPr lang="it-IT" dirty="0"/>
+              <a:t>In fine Gradle, Jenkins e Docker sono stati utilizzati per l'automazione di tutti i processi di build, test e rilascio del software.</a:t>
+            </a:r>
+          </a:p>
+          <a:p>
+            <a:r>
+              <a:rPr lang="it-IT" dirty="0"/>
+              <a:t>Tutti questi strumenti sono largamente utilizzati in Sanmarco Informatica e sono stati scelti per garantire la compatibilità con i sistemi già esistenti.</a:t>
+            </a:r>
+          </a:p>
+          <a:p>
+            <a:r>
+              <a:rPr lang="it-IT" dirty="0"/>
+              <a:t>L'unico strumento che non era stato utilizzato prima di questo progetto è stato Neo4j ed il relativo client.</a:t>
+            </a:r>
+          </a:p>
+        </p:txBody>
+      </p:sp>
+      <p:sp>
+        <p:nvSpPr>
+          <p:cNvPr id="4" name="Segnaposto numero diapositiva 3"/>
+          <p:cNvSpPr>
+            <a:spLocks noGrp="1"/>
+          </p:cNvSpPr>
+          <p:nvPr>
+            <p:ph type="sldNum" sz="quarter" idx="5"/>
+          </p:nvPr>
+        </p:nvSpPr>
+        <p:spPr/>
+        <p:txBody>
+          <a:bodyPr/>
+          <a:lstStyle/>
+          <a:p>
+            <a:fld id="{F1800421-D3CF-4966-BB36-F8A585C6E943}" type="slidenum">
+              <a:rPr lang="en-US" smtClean="0"/>
+              <a:t>5</a:t>
+            </a:fld>
+            <a:endParaRPr lang="en-US"/>
+          </a:p>
+        </p:txBody>
+      </p:sp>
+    </p:spTree>
+    <p:extLst>
+      <p:ext uri="{BB962C8B-B14F-4D97-AF65-F5344CB8AC3E}">
+        <p14:creationId xmlns:p14="http://schemas.microsoft.com/office/powerpoint/2010/main" val="3201685905"/>
+      </p:ext>
+    </p:extLst>
+  </p:cSld>
+  <p:clrMapOvr>
+    <a:masterClrMapping/>
+  </p:clrMapOvr>
+</p:notes>
+</file>
+
+<file path=ppt/notesSlides/notesSlide5.xml><?xml version="1.0" encoding="utf-8"?>
+<p:notes xmlns:a="http://schemas.openxmlformats.org/drawingml/2006/main" xmlns:r="http://schemas.openxmlformats.org/officeDocument/2006/relationships" xmlns:p="http://schemas.openxmlformats.org/presentationml/2006/main">
+  <p:cSld>
+    <p:spTree>
+      <p:nvGrpSpPr>
+        <p:cNvPr id="1" name=""/>
+        <p:cNvGrpSpPr/>
+        <p:nvPr/>
+      </p:nvGrpSpPr>
+      <p:grpSpPr>
+        <a:xfrm>
+          <a:off x="0" y="0"/>
+          <a:ext cx="0" cy="0"/>
+          <a:chOff x="0" y="0"/>
+          <a:chExt cx="0" cy="0"/>
+        </a:xfrm>
+      </p:grpSpPr>
+      <p:sp>
+        <p:nvSpPr>
+          <p:cNvPr id="2" name="Segnaposto immagine diapositiva 1"/>
+          <p:cNvSpPr>
+            <a:spLocks noGrp="1" noRot="1" noChangeAspect="1"/>
+          </p:cNvSpPr>
+          <p:nvPr>
+            <p:ph type="sldImg"/>
+          </p:nvPr>
+        </p:nvSpPr>
+        <p:spPr/>
+      </p:sp>
+      <p:sp>
+        <p:nvSpPr>
+          <p:cNvPr id="3" name="Segnaposto note 2"/>
+          <p:cNvSpPr>
+            <a:spLocks noGrp="1"/>
+          </p:cNvSpPr>
+          <p:nvPr>
+            <p:ph type="body" idx="1"/>
+          </p:nvPr>
+        </p:nvSpPr>
+        <p:spPr/>
+        <p:txBody>
+          <a:bodyPr/>
+          <a:lstStyle/>
+          <a:p>
+            <a:r>
+              <a:rPr lang="it-IT" dirty="0"/>
+              <a:t>Il piano di lavoro redatto dal tutor aziendale prevedeva 4 attività obbligatorie principali.</a:t>
+            </a:r>
+          </a:p>
+          <a:p>
+            <a:r>
+              <a:rPr lang="it-IT" dirty="0"/>
+              <a:t>La prima era la creazione di un plugin per Gradle in grado di raccogliere, in fase di build del software, </a:t>
+            </a:r>
+          </a:p>
+          <a:p>
+            <a:r>
+              <a:rPr lang="it-IT" dirty="0"/>
+              <a:t>tutte le informazioni sulle librerie di terze parti utilizzate.</a:t>
+            </a:r>
+          </a:p>
+          <a:p>
+            <a:r>
+              <a:rPr lang="it-IT" dirty="0"/>
+              <a:t>La seconda era la creazione di un servizio web in grado di ricevere le informazioni raccolte dal plugin, di salvarle in un database e</a:t>
+            </a:r>
+          </a:p>
+          <a:p>
+            <a:r>
+              <a:rPr lang="it-IT" dirty="0"/>
+              <a:t>di fornire dei servizi REST per le operazioni di ricerca e analisi.</a:t>
+            </a:r>
+          </a:p>
+          <a:p>
+            <a:r>
+              <a:rPr lang="it-IT" dirty="0"/>
+              <a:t>La terza era la creazione di un'interfaccia web per la visualizzazione delle informazioni raccolte e per effettuare l'analisi delle vulnerabilità.</a:t>
+            </a:r>
+          </a:p>
+          <a:p>
+            <a:r>
+              <a:rPr lang="it-IT" dirty="0"/>
+              <a:t>In fine il plugin doveva essere integrabile richiamabile da Jenkins, per poter automatizzare il processo di raccolta dati.</a:t>
+            </a:r>
+          </a:p>
+          <a:p>
+            <a:r>
+              <a:rPr lang="it-IT" dirty="0"/>
+              <a:t>In aggiunta a queste attività obbligatorie, mi è stato chiesto in modo in modo facoltativo di poter verificare la presenza di vulnerabilità o aggiornamenti per ogni dipendenza,</a:t>
+            </a:r>
+          </a:p>
+          <a:p>
+            <a:r>
+              <a:rPr lang="it-IT" dirty="0"/>
+              <a:t>di poter visualizzare i risultati in modo grafico e non solo tabellare, e poter effettuare il login sulla piattaforma tramite LDAP.</a:t>
+            </a:r>
+          </a:p>
+          <a:p>
+            <a:endParaRPr lang="it-IT" dirty="0"/>
+          </a:p>
+        </p:txBody>
+      </p:sp>
+      <p:sp>
+        <p:nvSpPr>
+          <p:cNvPr id="4" name="Segnaposto numero diapositiva 3"/>
+          <p:cNvSpPr>
+            <a:spLocks noGrp="1"/>
+          </p:cNvSpPr>
+          <p:nvPr>
+            <p:ph type="sldNum" sz="quarter" idx="5"/>
+          </p:nvPr>
+        </p:nvSpPr>
+        <p:spPr/>
+        <p:txBody>
+          <a:bodyPr/>
+          <a:lstStyle/>
+          <a:p>
+            <a:fld id="{F1800421-D3CF-4966-BB36-F8A585C6E943}" type="slidenum">
+              <a:rPr lang="en-US" smtClean="0"/>
+              <a:t>6</a:t>
+            </a:fld>
+            <a:endParaRPr lang="en-US"/>
+          </a:p>
+        </p:txBody>
+      </p:sp>
+    </p:spTree>
+    <p:extLst>
+      <p:ext uri="{BB962C8B-B14F-4D97-AF65-F5344CB8AC3E}">
+        <p14:creationId xmlns:p14="http://schemas.microsoft.com/office/powerpoint/2010/main" val="1403521666"/>
+      </p:ext>
+    </p:extLst>
+  </p:cSld>
+  <p:clrMapOvr>
+    <a:masterClrMapping/>
+  </p:clrMapOvr>
+</p:notes>
+</file>
+
+<file path=ppt/notesSlides/notesSlide6.xml><?xml version="1.0" encoding="utf-8"?>
+<p:notes xmlns:a="http://schemas.openxmlformats.org/drawingml/2006/main" xmlns:r="http://schemas.openxmlformats.org/officeDocument/2006/relationships" xmlns:p="http://schemas.openxmlformats.org/presentationml/2006/main">
+  <p:cSld>
+    <p:spTree>
+      <p:nvGrpSpPr>
+        <p:cNvPr id="1" name=""/>
+        <p:cNvGrpSpPr/>
+        <p:nvPr/>
+      </p:nvGrpSpPr>
+      <p:grpSpPr>
+        <a:xfrm>
+          <a:off x="0" y="0"/>
+          <a:ext cx="0" cy="0"/>
+          <a:chOff x="0" y="0"/>
+          <a:chExt cx="0" cy="0"/>
+        </a:xfrm>
+      </p:grpSpPr>
+      <p:sp>
+        <p:nvSpPr>
+          <p:cNvPr id="2" name="Segnaposto immagine diapositiva 1"/>
+          <p:cNvSpPr>
+            <a:spLocks noGrp="1" noRot="1" noChangeAspect="1"/>
+          </p:cNvSpPr>
+          <p:nvPr>
+            <p:ph type="sldImg"/>
+          </p:nvPr>
+        </p:nvSpPr>
+        <p:spPr/>
+      </p:sp>
+      <p:sp>
+        <p:nvSpPr>
+          <p:cNvPr id="3" name="Segnaposto note 2"/>
+          <p:cNvSpPr>
+            <a:spLocks noGrp="1"/>
+          </p:cNvSpPr>
+          <p:nvPr>
+            <p:ph type="body" idx="1"/>
+          </p:nvPr>
+        </p:nvSpPr>
+        <p:spPr/>
+        <p:txBody>
+          <a:bodyPr/>
+          <a:lstStyle/>
+          <a:p>
+            <a:r>
+              <a:rPr lang="it-IT" dirty="0"/>
+              <a:t>Per l'implementazione del plugin Gradle ho investito molto tempo nella formazione e analisi, in modo </a:t>
+            </a:r>
+          </a:p>
+          <a:p>
+            <a:r>
+              <a:rPr lang="it-IT" dirty="0"/>
+              <a:t>da poter capire come analizzare correttamente le dipendenze software.</a:t>
+            </a:r>
+          </a:p>
+          <a:p>
+            <a:r>
+              <a:rPr lang="it-IT" dirty="0"/>
+              <a:t>La soluzione che ho trovato prevede l'utilizzo del task standard di Gradle, chiamato </a:t>
+            </a:r>
+            <a:r>
+              <a:rPr lang="it-IT" dirty="0" err="1"/>
+              <a:t>dependencies</a:t>
+            </a:r>
+            <a:r>
+              <a:rPr lang="it-IT" dirty="0"/>
+              <a:t>, </a:t>
+            </a:r>
+          </a:p>
+          <a:p>
+            <a:r>
+              <a:rPr lang="it-IT" dirty="0"/>
+              <a:t>che restituisce come output tutte le informazioni sull'albero delle dipendenze.</a:t>
+            </a:r>
+          </a:p>
+          <a:p>
+            <a:r>
+              <a:rPr lang="it-IT" dirty="0"/>
+              <a:t>Nel file di configurazione di gradle, dopo aver applicato il plugin al progetto,</a:t>
+            </a:r>
+          </a:p>
+          <a:p>
+            <a:r>
+              <a:rPr lang="it-IT" dirty="0"/>
+              <a:t>è possibile aggiungere una configurazione dove specificare i riferimenti ai progetti npm, il server di destinazione e le credenziali per il </a:t>
+            </a:r>
+          </a:p>
+          <a:p>
+            <a:r>
+              <a:rPr lang="it-IT" dirty="0"/>
+              <a:t>il salvataggio dei risultati.</a:t>
+            </a:r>
+          </a:p>
+        </p:txBody>
+      </p:sp>
+      <p:sp>
+        <p:nvSpPr>
+          <p:cNvPr id="4" name="Segnaposto numero diapositiva 3"/>
+          <p:cNvSpPr>
+            <a:spLocks noGrp="1"/>
+          </p:cNvSpPr>
+          <p:nvPr>
+            <p:ph type="sldNum" sz="quarter" idx="5"/>
+          </p:nvPr>
+        </p:nvSpPr>
+        <p:spPr/>
+        <p:txBody>
+          <a:bodyPr/>
+          <a:lstStyle/>
+          <a:p>
+            <a:fld id="{F1800421-D3CF-4966-BB36-F8A585C6E943}" type="slidenum">
+              <a:rPr lang="en-US" smtClean="0"/>
+              <a:t>7</a:t>
+            </a:fld>
+            <a:endParaRPr lang="en-US"/>
+          </a:p>
+        </p:txBody>
+      </p:sp>
+    </p:spTree>
+    <p:extLst>
+      <p:ext uri="{BB962C8B-B14F-4D97-AF65-F5344CB8AC3E}">
+        <p14:creationId xmlns:p14="http://schemas.microsoft.com/office/powerpoint/2010/main" val="4124853351"/>
+      </p:ext>
+    </p:extLst>
+  </p:cSld>
+  <p:clrMapOvr>
+    <a:masterClrMapping/>
+  </p:clrMapOvr>
+</p:notes>
+</file>
+
+<file path=ppt/notesSlides/notesSlide7.xml><?xml version="1.0" encoding="utf-8"?>
+<p:notes xmlns:a="http://schemas.openxmlformats.org/drawingml/2006/main" xmlns:r="http://schemas.openxmlformats.org/officeDocument/2006/relationships" xmlns:p="http://schemas.openxmlformats.org/presentationml/2006/main">
+  <p:cSld>
+    <p:spTree>
+      <p:nvGrpSpPr>
+        <p:cNvPr id="1" name=""/>
+        <p:cNvGrpSpPr/>
+        <p:nvPr/>
+      </p:nvGrpSpPr>
+      <p:grpSpPr>
+        <a:xfrm>
+          <a:off x="0" y="0"/>
+          <a:ext cx="0" cy="0"/>
+          <a:chOff x="0" y="0"/>
+          <a:chExt cx="0" cy="0"/>
+        </a:xfrm>
+      </p:grpSpPr>
+      <p:sp>
+        <p:nvSpPr>
+          <p:cNvPr id="2" name="Segnaposto immagine diapositiva 1"/>
+          <p:cNvSpPr>
+            <a:spLocks noGrp="1" noRot="1" noChangeAspect="1"/>
+          </p:cNvSpPr>
+          <p:nvPr>
+            <p:ph type="sldImg"/>
+          </p:nvPr>
+        </p:nvSpPr>
+        <p:spPr/>
+      </p:sp>
+      <p:sp>
+        <p:nvSpPr>
+          <p:cNvPr id="3" name="Segnaposto note 2"/>
+          <p:cNvSpPr>
+            <a:spLocks noGrp="1"/>
+          </p:cNvSpPr>
+          <p:nvPr>
+            <p:ph type="body" idx="1"/>
+          </p:nvPr>
+        </p:nvSpPr>
+        <p:spPr/>
+        <p:txBody>
+          <a:bodyPr/>
+          <a:lstStyle/>
+          <a:p>
+            <a:r>
+              <a:rPr lang="it-IT" dirty="0"/>
+              <a:t>Per l'implementazione del servizio web ho utilizzato il framework Jersey, che permette di creare facilmente dei servizi REST</a:t>
+            </a:r>
+          </a:p>
+          <a:p>
+            <a:r>
+              <a:rPr lang="it-IT" dirty="0"/>
+              <a:t>deployabili su un server Tomcat.</a:t>
+            </a:r>
+          </a:p>
+          <a:p>
+            <a:r>
+              <a:rPr lang="it-IT" dirty="0"/>
+              <a:t>Il progetto è stato strutturato in 4 strati principali, </a:t>
+            </a:r>
+          </a:p>
+          <a:p>
+            <a:r>
+              <a:rPr lang="it-IT" dirty="0"/>
+              <a:t>1) il web service conteneva tutte le classi per la gestione delle richieste REST;</a:t>
+            </a:r>
+          </a:p>
+          <a:p>
+            <a:r>
+              <a:rPr lang="it-IT" dirty="0"/>
+              <a:t>2) lo strato service conteneva tutte le classi per la gestione della logica di business;</a:t>
+            </a:r>
+          </a:p>
+          <a:p>
+            <a:r>
+              <a:rPr lang="it-IT" dirty="0"/>
+              <a:t>3) lo strato dao conteneva tutte le classi per la gestione della persistenza dei dati.</a:t>
+            </a:r>
+          </a:p>
+          <a:p>
+            <a:r>
+              <a:rPr lang="it-IT" dirty="0"/>
+              <a:t>4) in fine lo strato model conteneva tutte le classi che rappresentavano i dati.</a:t>
+            </a:r>
+          </a:p>
+          <a:p>
+            <a:r>
+              <a:rPr lang="it-IT" dirty="0"/>
+              <a:t>Anche per il backend sono stati predisposti dei file di configurazione dove poter specificare</a:t>
+            </a:r>
+          </a:p>
+          <a:p>
+            <a:r>
+              <a:rPr lang="it-IT" dirty="0"/>
+              <a:t>i riferimenti al database, la configurazione dei log, e le credenziali per l'autenticazione LDAP.</a:t>
+            </a:r>
+          </a:p>
+          <a:p>
+            <a:endParaRPr lang="it-IT" dirty="0"/>
+          </a:p>
+        </p:txBody>
+      </p:sp>
+      <p:sp>
+        <p:nvSpPr>
+          <p:cNvPr id="4" name="Segnaposto numero diapositiva 3"/>
+          <p:cNvSpPr>
+            <a:spLocks noGrp="1"/>
+          </p:cNvSpPr>
+          <p:nvPr>
+            <p:ph type="sldNum" sz="quarter" idx="5"/>
+          </p:nvPr>
+        </p:nvSpPr>
+        <p:spPr/>
+        <p:txBody>
+          <a:bodyPr/>
+          <a:lstStyle/>
+          <a:p>
+            <a:fld id="{F1800421-D3CF-4966-BB36-F8A585C6E943}" type="slidenum">
+              <a:rPr lang="en-US" smtClean="0"/>
+              <a:t>8</a:t>
+            </a:fld>
+            <a:endParaRPr lang="en-US"/>
+          </a:p>
+        </p:txBody>
+      </p:sp>
+    </p:spTree>
+    <p:extLst>
+      <p:ext uri="{BB962C8B-B14F-4D97-AF65-F5344CB8AC3E}">
+        <p14:creationId xmlns:p14="http://schemas.microsoft.com/office/powerpoint/2010/main" val="2125962284"/>
+      </p:ext>
+    </p:extLst>
+  </p:cSld>
+  <p:clrMapOvr>
+    <a:masterClrMapping/>
+  </p:clrMapOvr>
+</p:notes>
+</file>
+
+<file path=ppt/notesSlides/notesSlide8.xml><?xml version="1.0" encoding="utf-8"?>
+<p:notes xmlns:a="http://schemas.openxmlformats.org/drawingml/2006/main" xmlns:r="http://schemas.openxmlformats.org/officeDocument/2006/relationships" xmlns:p="http://schemas.openxmlformats.org/presentationml/2006/main">
+  <p:cSld>
+    <p:spTree>
+      <p:nvGrpSpPr>
+        <p:cNvPr id="1" name=""/>
+        <p:cNvGrpSpPr/>
+        <p:nvPr/>
+      </p:nvGrpSpPr>
+      <p:grpSpPr>
+        <a:xfrm>
+          <a:off x="0" y="0"/>
+          <a:ext cx="0" cy="0"/>
+          <a:chOff x="0" y="0"/>
+          <a:chExt cx="0" cy="0"/>
+        </a:xfrm>
+      </p:grpSpPr>
+      <p:sp>
+        <p:nvSpPr>
+          <p:cNvPr id="2" name="Segnaposto immagine diapositiva 1"/>
+          <p:cNvSpPr>
+            <a:spLocks noGrp="1" noRot="1" noChangeAspect="1"/>
+          </p:cNvSpPr>
+          <p:nvPr>
+            <p:ph type="sldImg"/>
+          </p:nvPr>
+        </p:nvSpPr>
+        <p:spPr/>
+      </p:sp>
+      <p:sp>
+        <p:nvSpPr>
+          <p:cNvPr id="3" name="Segnaposto note 2"/>
+          <p:cNvSpPr>
+            <a:spLocks noGrp="1"/>
+          </p:cNvSpPr>
+          <p:nvPr>
+            <p:ph type="body" idx="1"/>
+          </p:nvPr>
+        </p:nvSpPr>
+        <p:spPr/>
+        <p:txBody>
+          <a:bodyPr/>
+          <a:lstStyle/>
+          <a:p>
+            <a:r>
+              <a:rPr lang="it-IT" dirty="0"/>
+              <a:t>Per la persistenza dei dati mi è stato chiesto di utilizzare un database a grafo.</a:t>
+            </a:r>
+          </a:p>
+          <a:p>
+            <a:r>
+              <a:rPr lang="it-IT" dirty="0"/>
+              <a:t>Le motivazioni principali erano 2:</a:t>
+            </a:r>
+          </a:p>
+          <a:p>
+            <a:r>
+              <a:rPr lang="it-IT" dirty="0"/>
+              <a:t>la prima è che con un database a grafo sarebbe stato più semplice e naturale rappresentare l'albero delle dipendenze;</a:t>
+            </a:r>
+          </a:p>
+          <a:p>
+            <a:r>
+              <a:rPr lang="it-IT" dirty="0"/>
+              <a:t>la seconda è che l'azienda voleva sfruttare questo progetto per provare e sperimentare questa nuova tecnologia.</a:t>
+            </a:r>
+          </a:p>
+          <a:p>
+            <a:r>
+              <a:rPr lang="it-IT" dirty="0"/>
+              <a:t>Il database che abbiamo scelto è Neo4j, ed utilizza il linguaggio Cypher per la scrittura delle query.</a:t>
+            </a:r>
+          </a:p>
+          <a:p>
+            <a:r>
+              <a:rPr lang="it-IT" dirty="0"/>
+              <a:t>Con Cypher è possibile scrivere facilmente query per le interrogazioni di strutture a grafo che con un database relazionale sarebbero molto più complesse. </a:t>
+            </a:r>
+          </a:p>
+          <a:p>
+            <a:r>
+              <a:rPr lang="it-IT" dirty="0"/>
+              <a:t>Ad esempio la query mostrata in questa slide permette di cercare tutti i nodi che hanno una relazione di tipo DEPEDS_ON con il nodo specificato nella </a:t>
+            </a:r>
+            <a:r>
+              <a:rPr lang="it-IT" dirty="0" err="1"/>
+              <a:t>where</a:t>
+            </a:r>
+            <a:r>
+              <a:rPr lang="it-IT" dirty="0"/>
+              <a:t>.</a:t>
+            </a:r>
+          </a:p>
+          <a:p>
+            <a:r>
+              <a:rPr lang="it-IT" dirty="0"/>
+              <a:t>Nei database a grafo non esistono tabelle, ma esistono solo nodi con attributi, collegati tra di loro tramite relazioni</a:t>
+            </a:r>
+          </a:p>
+        </p:txBody>
+      </p:sp>
+      <p:sp>
+        <p:nvSpPr>
+          <p:cNvPr id="4" name="Segnaposto numero diapositiva 3"/>
+          <p:cNvSpPr>
+            <a:spLocks noGrp="1"/>
+          </p:cNvSpPr>
+          <p:nvPr>
+            <p:ph type="sldNum" sz="quarter" idx="5"/>
+          </p:nvPr>
+        </p:nvSpPr>
+        <p:spPr/>
+        <p:txBody>
+          <a:bodyPr/>
+          <a:lstStyle/>
+          <a:p>
+            <a:fld id="{F1800421-D3CF-4966-BB36-F8A585C6E943}" type="slidenum">
+              <a:rPr lang="en-US" smtClean="0"/>
+              <a:t>9</a:t>
+            </a:fld>
+            <a:endParaRPr lang="en-US"/>
+          </a:p>
+        </p:txBody>
+      </p:sp>
+    </p:spTree>
+    <p:extLst>
+      <p:ext uri="{BB962C8B-B14F-4D97-AF65-F5344CB8AC3E}">
+        <p14:creationId xmlns:p14="http://schemas.microsoft.com/office/powerpoint/2010/main" val="1825018281"/>
+      </p:ext>
+    </p:extLst>
+  </p:cSld>
+  <p:clrMapOvr>
+    <a:masterClrMapping/>
+  </p:clrMapOvr>
+</p:notes>
+</file>
+
+<file path=ppt/notesSlides/notesSlide9.xml><?xml version="1.0" encoding="utf-8"?>
+<p:notes xmlns:a="http://schemas.openxmlformats.org/drawingml/2006/main" xmlns:r="http://schemas.openxmlformats.org/officeDocument/2006/relationships" xmlns:p="http://schemas.openxmlformats.org/presentationml/2006/main">
+  <p:cSld>
+    <p:spTree>
+      <p:nvGrpSpPr>
+        <p:cNvPr id="1" name=""/>
+        <p:cNvGrpSpPr/>
+        <p:nvPr/>
+      </p:nvGrpSpPr>
+      <p:grpSpPr>
+        <a:xfrm>
+          <a:off x="0" y="0"/>
+          <a:ext cx="0" cy="0"/>
+          <a:chOff x="0" y="0"/>
+          <a:chExt cx="0" cy="0"/>
+        </a:xfrm>
+      </p:grpSpPr>
+      <p:sp>
+        <p:nvSpPr>
+          <p:cNvPr id="2" name="Segnaposto immagine diapositiva 1"/>
+          <p:cNvSpPr>
+            <a:spLocks noGrp="1" noRot="1" noChangeAspect="1"/>
+          </p:cNvSpPr>
+          <p:nvPr>
+            <p:ph type="sldImg"/>
+          </p:nvPr>
+        </p:nvSpPr>
+        <p:spPr/>
+      </p:sp>
+      <p:sp>
+        <p:nvSpPr>
+          <p:cNvPr id="3" name="Segnaposto note 2"/>
+          <p:cNvSpPr>
+            <a:spLocks noGrp="1"/>
+          </p:cNvSpPr>
+          <p:nvPr>
+            <p:ph type="body" idx="1"/>
+          </p:nvPr>
+        </p:nvSpPr>
+        <p:spPr/>
+        <p:txBody>
+          <a:bodyPr/>
+          <a:lstStyle/>
+          <a:p>
+            <a:r>
+              <a:rPr lang="it-IT" dirty="0"/>
+              <a:t>Per l'implementazione dell'interfaccia web ho utilizzato Angular, il framework più utilizzato per lo sviluppo di applicazioni web</a:t>
+            </a:r>
+          </a:p>
+          <a:p>
+            <a:r>
+              <a:rPr lang="it-IT" dirty="0"/>
+              <a:t>in Sanmarco Informatica.</a:t>
+            </a:r>
+          </a:p>
+          <a:p>
+            <a:r>
+              <a:rPr lang="it-IT" dirty="0"/>
+              <a:t>L'applicazione contiene oltre alla home page, 3 pagine principali:</a:t>
+            </a:r>
+          </a:p>
+          <a:p>
+            <a:r>
+              <a:rPr lang="it-IT" dirty="0"/>
+              <a:t>Nella prima pagina "Ricerca per progetto" è possibile cercare un progetto, aiutandosi con i suggerimenti forniti dal menù a</a:t>
+            </a:r>
+          </a:p>
+          <a:p>
+            <a:r>
+              <a:rPr lang="it-IT" dirty="0"/>
+              <a:t>tendina, e visualizzare tutte le informazioni sulle sue dipendenze.</a:t>
+            </a:r>
+          </a:p>
+          <a:p>
+            <a:r>
+              <a:rPr lang="it-IT" dirty="0"/>
+              <a:t>I risultati vengono rappresentati sia in modo tabellare che grafico.</a:t>
+            </a:r>
+          </a:p>
+          <a:p>
+            <a:r>
+              <a:rPr lang="it-IT" dirty="0"/>
+              <a:t>La seconda pagina "Ricerca per utilizzo" ti permette di ricercare, dato il nome di un pacchetto, tutti i progetti che lo utilizzano.</a:t>
+            </a:r>
+          </a:p>
+          <a:p>
+            <a:r>
+              <a:rPr lang="it-IT" dirty="0"/>
+              <a:t>L'ultima pagina "Query" ti permette di eseguire query personalizzate sul database e di visualizzare i risultati in</a:t>
+            </a:r>
+          </a:p>
+          <a:p>
+            <a:r>
+              <a:rPr lang="it-IT" dirty="0"/>
+              <a:t>formato JSON.</a:t>
+            </a:r>
+          </a:p>
+          <a:p>
+            <a:endParaRPr lang="it-IT" dirty="0"/>
+          </a:p>
+        </p:txBody>
+      </p:sp>
+      <p:sp>
+        <p:nvSpPr>
+          <p:cNvPr id="4" name="Segnaposto numero diapositiva 3"/>
+          <p:cNvSpPr>
+            <a:spLocks noGrp="1"/>
+          </p:cNvSpPr>
+          <p:nvPr>
+            <p:ph type="sldNum" sz="quarter" idx="5"/>
+          </p:nvPr>
+        </p:nvSpPr>
+        <p:spPr/>
+        <p:txBody>
+          <a:bodyPr/>
+          <a:lstStyle/>
+          <a:p>
+            <a:fld id="{F1800421-D3CF-4966-BB36-F8A585C6E943}" type="slidenum">
+              <a:rPr lang="en-US" smtClean="0"/>
+              <a:t>10</a:t>
+            </a:fld>
+            <a:endParaRPr lang="en-US"/>
+          </a:p>
+        </p:txBody>
+      </p:sp>
+    </p:spTree>
+    <p:extLst>
+      <p:ext uri="{BB962C8B-B14F-4D97-AF65-F5344CB8AC3E}">
+        <p14:creationId xmlns:p14="http://schemas.microsoft.com/office/powerpoint/2010/main" val="18273214"/>
+      </p:ext>
+    </p:extLst>
+  </p:cSld>
+  <p:clrMapOvr>
+    <a:masterClrMapping/>
+  </p:clrMapOvr>
+</p:notes>
 </file>
 
 <file path=ppt/slideLayouts/slideLayout1.xml><?xml version="1.0" encoding="utf-8"?>
@@ -2072,7 +3617,7 @@
           <p:nvPr/>
         </p:nvPicPr>
         <p:blipFill>
-          <a:blip r:embed="rId2">
+          <a:blip r:embed="rId3">
             <a:extLst>
               <a:ext uri="{28A0092B-C50C-407E-A947-70E740481C1C}">
                 <a14:useLocalDpi xmlns:a14="http://schemas.microsoft.com/office/drawing/2010/main" val="0"/>
@@ -2225,7 +3770,7 @@
           <p:nvPr/>
         </p:nvPicPr>
         <p:blipFill>
-          <a:blip r:embed="rId2"/>
+          <a:blip r:embed="rId3"/>
           <a:stretch>
             <a:fillRect/>
           </a:stretch>
@@ -2265,7 +3810,7 @@
           <p:nvPr/>
         </p:nvPicPr>
         <p:blipFill>
-          <a:blip r:embed="rId3"/>
+          <a:blip r:embed="rId4"/>
           <a:stretch>
             <a:fillRect/>
           </a:stretch>
@@ -2355,7 +3900,7 @@
           <p:nvPr/>
         </p:nvPicPr>
         <p:blipFill>
-          <a:blip r:embed="rId4">
+          <a:blip r:embed="rId5">
             <a:extLst>
               <a:ext uri="{28A0092B-C50C-407E-A947-70E740481C1C}">
                 <a14:useLocalDpi xmlns:a14="http://schemas.microsoft.com/office/drawing/2010/main" val="0"/>
@@ -2711,7 +4256,7 @@
           <p:nvPr/>
         </p:nvPicPr>
         <p:blipFill>
-          <a:blip r:embed="rId2"/>
+          <a:blip r:embed="rId3"/>
           <a:stretch>
             <a:fillRect/>
           </a:stretch>
@@ -2741,7 +4286,7 @@
           <p:nvPr/>
         </p:nvPicPr>
         <p:blipFill>
-          <a:blip r:embed="rId3"/>
+          <a:blip r:embed="rId4"/>
           <a:stretch>
             <a:fillRect/>
           </a:stretch>
@@ -4255,7 +5800,7 @@
             </a:pPr>
             <a:r>
               <a:rPr lang="it-IT" sz="1600" b="1" dirty="0"/>
-              <a:t>Ore sviluppo: 130</a:t>
+              <a:t>Documentazione: 20</a:t>
             </a:r>
           </a:p>
         </p:txBody>
@@ -4700,11 +6245,11 @@
           <p:nvPr/>
         </p:nvPicPr>
         <p:blipFill>
-          <a:blip r:embed="rId2">
+          <a:blip r:embed="rId3">
             <a:extLst>
               <a:ext uri="{BEBA8EAE-BF5A-486C-A8C5-ECC9F3942E4B}">
                 <a14:imgProps xmlns:a14="http://schemas.microsoft.com/office/drawing/2010/main">
-                  <a14:imgLayer r:embed="rId3">
+                  <a14:imgLayer r:embed="rId4">
                     <a14:imgEffect>
                       <a14:backgroundRemoval t="833" b="97778" l="3056" r="97500">
                         <a14:foregroundMark x1="41944" y1="13889" x2="41944" y2="13889"/>
@@ -4803,7 +6348,7 @@
           <p:nvPr/>
         </p:nvPicPr>
         <p:blipFill>
-          <a:blip r:embed="rId4">
+          <a:blip r:embed="rId5">
             <a:extLst>
               <a:ext uri="{28A0092B-C50C-407E-A947-70E740481C1C}">
                 <a14:useLocalDpi xmlns:a14="http://schemas.microsoft.com/office/drawing/2010/main" val="0"/>
@@ -5216,13 +6761,8 @@
             </a:pPr>
             <a:r>
               <a:rPr lang="it-IT" sz="1400" dirty="0"/>
-              <a:t> Sperimentazione nuova versione di </a:t>
-            </a:r>
-            <a:r>
-              <a:rPr lang="it-IT" sz="1400" dirty="0" err="1"/>
-              <a:t>Angular</a:t>
-            </a:r>
-            <a:endParaRPr lang="it-IT" sz="1400" dirty="0"/>
+              <a:t> Sperimentazione nuova versione di Angular</a:t>
+            </a:r>
           </a:p>
           <a:p>
             <a:pPr>
@@ -5403,7 +6943,7 @@
           <p:nvPr/>
         </p:nvPicPr>
         <p:blipFill>
-          <a:blip r:embed="rId5">
+          <a:blip r:embed="rId6">
             <a:extLst>
               <a:ext uri="{28A0092B-C50C-407E-A947-70E740481C1C}">
                 <a14:useLocalDpi xmlns:a14="http://schemas.microsoft.com/office/drawing/2010/main" val="0"/>
@@ -5877,7 +7417,7 @@
           <p:nvPr/>
         </p:nvPicPr>
         <p:blipFill>
-          <a:blip r:embed="rId2">
+          <a:blip r:embed="rId3">
             <a:extLst>
               <a:ext uri="{28A0092B-C50C-407E-A947-70E740481C1C}">
                 <a14:useLocalDpi xmlns:a14="http://schemas.microsoft.com/office/drawing/2010/main" val="0"/>
@@ -5924,7 +7464,7 @@
           <p:nvPr/>
         </p:nvPicPr>
         <p:blipFill>
-          <a:blip r:embed="rId3"/>
+          <a:blip r:embed="rId4"/>
           <a:stretch>
             <a:fillRect/>
           </a:stretch>
@@ -6046,7 +7586,7 @@
           <a:p>
             <a:r>
               <a:rPr lang="it-IT" sz="2400" dirty="0"/>
-              <a:t>2000+</a:t>
+              <a:t>2500+</a:t>
             </a:r>
           </a:p>
         </p:txBody>
@@ -6710,7 +8250,7 @@
           <p:nvPr/>
         </p:nvPicPr>
         <p:blipFill>
-          <a:blip r:embed="rId2">
+          <a:blip r:embed="rId3">
             <a:extLst>
               <a:ext uri="{28A0092B-C50C-407E-A947-70E740481C1C}">
                 <a14:useLocalDpi xmlns:a14="http://schemas.microsoft.com/office/drawing/2010/main" val="0"/>
@@ -7107,7 +8647,7 @@
           <p:nvPr/>
         </p:nvPicPr>
         <p:blipFill>
-          <a:blip r:embed="rId2"/>
+          <a:blip r:embed="rId3"/>
           <a:stretch>
             <a:fillRect/>
           </a:stretch>
@@ -7655,7 +9195,7 @@
           <p:nvPr/>
         </p:nvPicPr>
         <p:blipFill>
-          <a:blip r:embed="rId2"/>
+          <a:blip r:embed="rId3"/>
           <a:stretch>
             <a:fillRect/>
           </a:stretch>
@@ -7685,7 +9225,7 @@
           <p:nvPr/>
         </p:nvPicPr>
         <p:blipFill>
-          <a:blip r:embed="rId3"/>
+          <a:blip r:embed="rId4"/>
           <a:stretch>
             <a:fillRect/>
           </a:stretch>
@@ -7946,7 +9486,7 @@
             <p:nvPr/>
           </p:nvPicPr>
           <p:blipFill>
-            <a:blip r:embed="rId2"/>
+            <a:blip r:embed="rId3"/>
             <a:stretch>
               <a:fillRect/>
             </a:stretch>
@@ -8399,7 +9939,7 @@
               <p:nvPr/>
             </p:nvPicPr>
             <p:blipFill>
-              <a:blip r:embed="rId3">
+              <a:blip r:embed="rId4">
                 <a:extLst>
                   <a:ext uri="{28A0092B-C50C-407E-A947-70E740481C1C}">
                     <a14:useLocalDpi xmlns:a14="http://schemas.microsoft.com/office/drawing/2010/main" val="0"/>
@@ -8493,7 +10033,7 @@
             <p:nvPr/>
           </p:nvPicPr>
           <p:blipFill>
-            <a:blip r:embed="rId4"/>
+            <a:blip r:embed="rId5"/>
             <a:stretch>
               <a:fillRect/>
             </a:stretch>
@@ -8523,7 +10063,7 @@
             <p:nvPr/>
           </p:nvPicPr>
           <p:blipFill>
-            <a:blip r:embed="rId5"/>
+            <a:blip r:embed="rId6"/>
             <a:stretch>
               <a:fillRect/>
             </a:stretch>
@@ -8554,7 +10094,7 @@
           <p:nvPr/>
         </p:nvPicPr>
         <p:blipFill>
-          <a:blip r:embed="rId6">
+          <a:blip r:embed="rId7">
             <a:extLst>
               <a:ext uri="{28A0092B-C50C-407E-A947-70E740481C1C}">
                 <a14:useLocalDpi xmlns:a14="http://schemas.microsoft.com/office/drawing/2010/main" val="0"/>
@@ -8918,36 +10458,6 @@
           <p:nvPr/>
         </p:nvPicPr>
         <p:blipFill>
-          <a:blip r:embed="rId2"/>
-          <a:stretch>
-            <a:fillRect/>
-          </a:stretch>
-        </p:blipFill>
-        <p:spPr>
-          <a:xfrm>
-            <a:off x="4665208" y="2295860"/>
-            <a:ext cx="4319218" cy="3830619"/>
-          </a:xfrm>
-          <a:prstGeom prst="rect">
-            <a:avLst/>
-          </a:prstGeom>
-        </p:spPr>
-      </p:pic>
-      <p:pic>
-        <p:nvPicPr>
-          <p:cNvPr id="8" name="Immagine 7">
-            <a:extLst>
-              <a:ext uri="{FF2B5EF4-FFF2-40B4-BE49-F238E27FC236}">
-                <a16:creationId xmlns:a16="http://schemas.microsoft.com/office/drawing/2014/main" id="{353E41EE-DF90-02E4-19CD-3999367C0E3B}"/>
-              </a:ext>
-            </a:extLst>
-          </p:cNvPr>
-          <p:cNvPicPr>
-            <a:picLocks noChangeAspect="1"/>
-          </p:cNvPicPr>
-          <p:nvPr/>
-        </p:nvPicPr>
-        <p:blipFill>
           <a:blip r:embed="rId3"/>
           <a:stretch>
             <a:fillRect/>
@@ -8955,8 +10465,8 @@
         </p:blipFill>
         <p:spPr>
           <a:xfrm>
-            <a:off x="81197" y="1699538"/>
-            <a:ext cx="4803474" cy="1807839"/>
+            <a:off x="4665208" y="2295860"/>
+            <a:ext cx="4319218" cy="3830619"/>
           </a:xfrm>
           <a:prstGeom prst="rect">
             <a:avLst/>
@@ -8965,10 +10475,10 @@
       </p:pic>
       <p:pic>
         <p:nvPicPr>
-          <p:cNvPr id="10" name="Immagine 9">
-            <a:extLst>
-              <a:ext uri="{FF2B5EF4-FFF2-40B4-BE49-F238E27FC236}">
-                <a16:creationId xmlns:a16="http://schemas.microsoft.com/office/drawing/2014/main" id="{7187B7BD-B159-752D-CE79-48D1E83719FB}"/>
+          <p:cNvPr id="8" name="Immagine 7">
+            <a:extLst>
+              <a:ext uri="{FF2B5EF4-FFF2-40B4-BE49-F238E27FC236}">
+                <a16:creationId xmlns:a16="http://schemas.microsoft.com/office/drawing/2014/main" id="{353E41EE-DF90-02E4-19CD-3999367C0E3B}"/>
               </a:ext>
             </a:extLst>
           </p:cNvPr>
@@ -8979,6 +10489,36 @@
         </p:nvPicPr>
         <p:blipFill>
           <a:blip r:embed="rId4"/>
+          <a:stretch>
+            <a:fillRect/>
+          </a:stretch>
+        </p:blipFill>
+        <p:spPr>
+          <a:xfrm>
+            <a:off x="81197" y="1699538"/>
+            <a:ext cx="4803474" cy="1807839"/>
+          </a:xfrm>
+          <a:prstGeom prst="rect">
+            <a:avLst/>
+          </a:prstGeom>
+        </p:spPr>
+      </p:pic>
+      <p:pic>
+        <p:nvPicPr>
+          <p:cNvPr id="10" name="Immagine 9">
+            <a:extLst>
+              <a:ext uri="{FF2B5EF4-FFF2-40B4-BE49-F238E27FC236}">
+                <a16:creationId xmlns:a16="http://schemas.microsoft.com/office/drawing/2014/main" id="{7187B7BD-B159-752D-CE79-48D1E83719FB}"/>
+              </a:ext>
+            </a:extLst>
+          </p:cNvPr>
+          <p:cNvPicPr>
+            <a:picLocks noChangeAspect="1"/>
+          </p:cNvPicPr>
+          <p:nvPr/>
+        </p:nvPicPr>
+        <p:blipFill>
+          <a:blip r:embed="rId5"/>
           <a:stretch>
             <a:fillRect/>
           </a:stretch>
